--- a/Presentation/What's New in ASP.NET Core - Pandiyan Murugan.pptx
+++ b/Presentation/What's New in ASP.NET Core - Pandiyan Murugan.pptx
@@ -277,7 +277,7 @@
             <a:fld id="{3A94F945-52FA-43D8-9C60-B620E3FE1EA7}" type="datetime1">
               <a:rPr lang="en-US"/>
               <a:pPr lvl="0"/>
-              <a:t>10/12/2018</a:t>
+              <a:t>12/21/2018</a:t>
             </a:fld>
             <a:endParaRPr lang="en-US"/>
           </a:p>
@@ -8122,18 +8122,18 @@
           </a:p>
           <a:p>
             <a:r>
+              <a:rPr lang="en-IN"/>
+              <a:t>In Process</a:t>
+            </a:r>
+          </a:p>
+          <a:p>
+            <a:r>
+              <a:rPr lang="en-IN"/>
+              <a:t>Improved </a:t>
+            </a:r>
+            <a:r>
               <a:rPr lang="en-IN" dirty="0"/>
-              <a:t>In Process</a:t>
-            </a:r>
-          </a:p>
-          <a:p>
-            <a:pPr marL="571500" indent="-571500">
-              <a:buFont typeface="Arial" panose="020B0604020202020204" pitchFamily="34" charset="0"/>
-              <a:buChar char="•"/>
-            </a:pPr>
-            <a:r>
-              <a:rPr lang="en-IN" dirty="0"/>
-              <a:t>Improved performance, reliability and diagnostics</a:t>
+              <a:t>performance, reliability and diagnostics</a:t>
             </a:r>
           </a:p>
         </p:txBody>
@@ -8767,11 +8767,19 @@
             <p:ph type="body" idx="4294967295"/>
           </p:nvPr>
         </p:nvSpPr>
-        <p:spPr/>
+        <p:spPr>
+          <a:xfrm>
+            <a:off x="586162" y="3065150"/>
+            <a:ext cx="11653525" cy="727700"/>
+          </a:xfrm>
+        </p:spPr>
         <p:txBody>
           <a:bodyPr/>
           <a:lstStyle/>
           <a:p>
+            <a:pPr marL="0" indent="0">
+              <a:buNone/>
+            </a:pPr>
             <a:r>
               <a:rPr lang="en-IN" dirty="0"/>
               <a:t>Preview 2</a:t>
